--- a/blackjack/presentation/Presentation1.pptx
+++ b/blackjack/presentation/Presentation1.pptx
@@ -35223,8 +35223,13 @@
           <a:p>
             <a:r>
               <a:rPr lang="en-US" dirty="0" smtClean="0"/>
-              <a:t>https://kaftejiman.github.io/blackjack</a:t>
-            </a:r>
+              <a:t>https</a:t>
+            </a:r>
+            <a:r>
+              <a:rPr lang="en-US"/>
+              <a:t>://kaftejiman.github.io/blackjack/Blackjack.html</a:t>
+            </a:r>
+            <a:endParaRPr lang="en-US" dirty="0" smtClean="0"/>
           </a:p>
           <a:p>
             <a:endParaRPr lang="en-US" dirty="0"/>
